--- a/English/Modern youth problems.pptx
+++ b/English/Modern youth problems.pptx
@@ -8,8 +8,9 @@
     <p:sldId id="256" r:id="rId2"/>
     <p:sldId id="268" r:id="rId3"/>
     <p:sldId id="269" r:id="rId4"/>
-    <p:sldId id="270" r:id="rId5"/>
-    <p:sldId id="267" r:id="rId6"/>
+    <p:sldId id="271" r:id="rId5"/>
+    <p:sldId id="270" r:id="rId6"/>
+    <p:sldId id="267" r:id="rId7"/>
   </p:sldIdLst>
   <p:sldSz cx="12192000" cy="6858000"/>
   <p:notesSz cx="6858000" cy="9144000"/>
@@ -5443,29 +5444,39 @@
           <a:p>
             <a:r>
               <a:rPr lang="en-US" sz="4000" dirty="0"/>
-              <a:t>1. Substance abuse</a:t>
-            </a:r>
-          </a:p>
-        </p:txBody>
-      </p:sp>
-      <p:sp>
-        <p:nvSpPr>
-          <p:cNvPr id="3" name="Picture Placeholder 2">
+              <a:t>1. DECISION MAKING</a:t>
+            </a:r>
+          </a:p>
+        </p:txBody>
+      </p:sp>
+      <p:pic>
+        <p:nvPicPr>
+          <p:cNvPr id="6" name="Picture Placeholder 5">
             <a:extLst>
               <a:ext uri="{FF2B5EF4-FFF2-40B4-BE49-F238E27FC236}">
-                <a16:creationId xmlns:a16="http://schemas.microsoft.com/office/drawing/2014/main" id="{4C034A3A-2F64-EFCB-ED46-DB99F3EF023A}"/>
+                <a16:creationId xmlns:a16="http://schemas.microsoft.com/office/drawing/2014/main" id="{8DB94760-2195-40A0-3AFF-4572489147E9}"/>
               </a:ext>
             </a:extLst>
           </p:cNvPr>
-          <p:cNvSpPr>
-            <a:spLocks noGrp="1"/>
-          </p:cNvSpPr>
+          <p:cNvPicPr>
+            <a:picLocks noGrp="1" noChangeAspect="1"/>
+          </p:cNvPicPr>
           <p:nvPr>
             <p:ph type="pic" idx="1"/>
           </p:nvPr>
-        </p:nvSpPr>
-        <p:spPr/>
-      </p:sp>
+        </p:nvPicPr>
+        <p:blipFill rotWithShape="1">
+          <a:blip r:embed="rId2"/>
+          <a:srcRect t="277" b="1797"/>
+          <a:stretch/>
+        </p:blipFill>
+        <p:spPr>
+          <a:xfrm>
+            <a:off x="989012" y="690225"/>
+            <a:ext cx="3280974" cy="4943659"/>
+          </a:xfrm>
+        </p:spPr>
+      </p:pic>
       <p:sp>
         <p:nvSpPr>
           <p:cNvPr id="4" name="Text Placeholder 3">
@@ -5493,7 +5504,7 @@
             </a:pPr>
             <a:r>
               <a:rPr lang="en-US" dirty="0"/>
-              <a:t>One of the most common problems</a:t>
+              <a:t>So many crossings in life</a:t>
             </a:r>
           </a:p>
           <a:p>
@@ -5503,7 +5514,7 @@
             </a:pPr>
             <a:r>
               <a:rPr lang="en-US" dirty="0"/>
-              <a:t>Leads to health problems</a:t>
+              <a:t>No understanding, yet need to make it through</a:t>
             </a:r>
           </a:p>
           <a:p>
@@ -5511,10 +5522,7 @@
               <a:buFontTx/>
               <a:buChar char="-"/>
             </a:pPr>
-            <a:r>
-              <a:rPr lang="en-US" dirty="0"/>
-              <a:t>Often requires professional help</a:t>
-            </a:r>
+            <a:endParaRPr lang="en-US" dirty="0"/>
           </a:p>
         </p:txBody>
       </p:sp>
@@ -5573,29 +5581,39 @@
           <a:p>
             <a:r>
               <a:rPr lang="en-US" sz="4000" dirty="0"/>
-              <a:t>2. materialism</a:t>
-            </a:r>
-          </a:p>
-        </p:txBody>
-      </p:sp>
-      <p:sp>
-        <p:nvSpPr>
-          <p:cNvPr id="3" name="Picture Placeholder 2">
+              <a:t>2. TIME MANAGEMENT </a:t>
+            </a:r>
+          </a:p>
+        </p:txBody>
+      </p:sp>
+      <p:pic>
+        <p:nvPicPr>
+          <p:cNvPr id="6" name="Picture Placeholder 5">
             <a:extLst>
               <a:ext uri="{FF2B5EF4-FFF2-40B4-BE49-F238E27FC236}">
-                <a16:creationId xmlns:a16="http://schemas.microsoft.com/office/drawing/2014/main" id="{4C034A3A-2F64-EFCB-ED46-DB99F3EF023A}"/>
+                <a16:creationId xmlns:a16="http://schemas.microsoft.com/office/drawing/2014/main" id="{8FCD705B-FB20-5600-998E-3A301565D49F}"/>
               </a:ext>
             </a:extLst>
           </p:cNvPr>
-          <p:cNvSpPr>
-            <a:spLocks noGrp="1"/>
-          </p:cNvSpPr>
+          <p:cNvPicPr>
+            <a:picLocks noGrp="1" noChangeAspect="1"/>
+          </p:cNvPicPr>
           <p:nvPr>
             <p:ph type="pic" idx="1"/>
           </p:nvPr>
-        </p:nvSpPr>
-        <p:spPr/>
-      </p:sp>
+        </p:nvPicPr>
+        <p:blipFill rotWithShape="1">
+          <a:blip r:embed="rId2"/>
+          <a:srcRect l="-539" t="-204" r="539" b="490"/>
+          <a:stretch/>
+        </p:blipFill>
+        <p:spPr>
+          <a:xfrm>
+            <a:off x="989012" y="684325"/>
+            <a:ext cx="3280974" cy="5091143"/>
+          </a:xfrm>
+        </p:spPr>
+      </p:pic>
       <p:sp>
         <p:nvSpPr>
           <p:cNvPr id="4" name="Text Placeholder 3">
@@ -5623,7 +5641,7 @@
             </a:pPr>
             <a:r>
               <a:rPr lang="en-US" dirty="0"/>
-              <a:t>Hit to the parents’ wallet</a:t>
+              <a:t>Lack of motivation</a:t>
             </a:r>
           </a:p>
           <a:p>
@@ -5633,7 +5651,7 @@
             </a:pPr>
             <a:r>
               <a:rPr lang="en-US" dirty="0"/>
-              <a:t>Distorted perception of life</a:t>
+              <a:t>Volatile life</a:t>
             </a:r>
           </a:p>
           <a:p>
@@ -5643,7 +5661,7 @@
             </a:pPr>
             <a:r>
               <a:rPr lang="en-US" dirty="0"/>
-              <a:t>Not a diagnosed, but a serious problem</a:t>
+              <a:t>Lots of activities to switch between</a:t>
             </a:r>
           </a:p>
         </p:txBody>
@@ -5703,29 +5721,39 @@
           <a:p>
             <a:r>
               <a:rPr lang="en-US" sz="4000" dirty="0"/>
-              <a:t>3. PORN ADDICTION</a:t>
-            </a:r>
-          </a:p>
-        </p:txBody>
-      </p:sp>
-      <p:sp>
-        <p:nvSpPr>
-          <p:cNvPr id="3" name="Picture Placeholder 2">
+              <a:t>3. MATERIALISM</a:t>
+            </a:r>
+          </a:p>
+        </p:txBody>
+      </p:sp>
+      <p:pic>
+        <p:nvPicPr>
+          <p:cNvPr id="6" name="Picture Placeholder 5">
             <a:extLst>
               <a:ext uri="{FF2B5EF4-FFF2-40B4-BE49-F238E27FC236}">
-                <a16:creationId xmlns:a16="http://schemas.microsoft.com/office/drawing/2014/main" id="{4C034A3A-2F64-EFCB-ED46-DB99F3EF023A}"/>
+                <a16:creationId xmlns:a16="http://schemas.microsoft.com/office/drawing/2014/main" id="{5D0E85BE-24EF-C39E-AFE7-96FBB166AC59}"/>
               </a:ext>
             </a:extLst>
           </p:cNvPr>
-          <p:cNvSpPr>
-            <a:spLocks noGrp="1"/>
-          </p:cNvSpPr>
+          <p:cNvPicPr>
+            <a:picLocks noGrp="1" noChangeAspect="1"/>
+          </p:cNvPicPr>
           <p:nvPr>
             <p:ph type="pic" idx="1"/>
           </p:nvPr>
-        </p:nvSpPr>
-        <p:spPr/>
-      </p:sp>
+        </p:nvPicPr>
+        <p:blipFill rotWithShape="1">
+          <a:blip r:embed="rId2"/>
+          <a:srcRect l="-539" t="4187" r="539" b="2221"/>
+          <a:stretch/>
+        </p:blipFill>
+        <p:spPr>
+          <a:xfrm>
+            <a:off x="989012" y="914399"/>
+            <a:ext cx="3280974" cy="4778477"/>
+          </a:xfrm>
+        </p:spPr>
+      </p:pic>
       <p:sp>
         <p:nvSpPr>
           <p:cNvPr id="4" name="Text Placeholder 3">
@@ -5753,13 +5781,158 @@
             </a:pPr>
             <a:r>
               <a:rPr lang="en-US" dirty="0"/>
-              <a:t>Another type of addictive and destructive </a:t>
-            </a:r>
-            <a:r>
-              <a:rPr lang="en-US" dirty="0" err="1"/>
-              <a:t>behaviour</a:t>
-            </a:r>
-            <a:endParaRPr lang="en-US" dirty="0"/>
+              <a:t>Hit to the parents’ wallet</a:t>
+            </a:r>
+          </a:p>
+          <a:p>
+            <a:pPr marL="285750" indent="-285750">
+              <a:buFontTx/>
+              <a:buChar char="-"/>
+            </a:pPr>
+            <a:r>
+              <a:rPr lang="en-US" dirty="0"/>
+              <a:t>Distorted perception of life</a:t>
+            </a:r>
+          </a:p>
+          <a:p>
+            <a:pPr marL="285750" indent="-285750">
+              <a:buFontTx/>
+              <a:buChar char="-"/>
+            </a:pPr>
+            <a:r>
+              <a:rPr lang="en-US" dirty="0"/>
+              <a:t>Not a diagnosed, but a serious problem</a:t>
+            </a:r>
+          </a:p>
+        </p:txBody>
+      </p:sp>
+    </p:spTree>
+    <p:extLst>
+      <p:ext uri="{BB962C8B-B14F-4D97-AF65-F5344CB8AC3E}">
+        <p14:creationId xmlns:p14="http://schemas.microsoft.com/office/powerpoint/2010/main" val="1758339985"/>
+      </p:ext>
+    </p:extLst>
+  </p:cSld>
+  <p:clrMapOvr>
+    <a:masterClrMapping/>
+  </p:clrMapOvr>
+</p:sld>
+</file>
+
+<file path=ppt/slides/slide5.xml><?xml version="1.0" encoding="utf-8"?>
+<p:sld xmlns:a="http://schemas.openxmlformats.org/drawingml/2006/main" xmlns:r="http://schemas.openxmlformats.org/officeDocument/2006/relationships" xmlns:p="http://schemas.openxmlformats.org/presentationml/2006/main">
+  <p:cSld>
+    <p:spTree>
+      <p:nvGrpSpPr>
+        <p:cNvPr id="1" name=""/>
+        <p:cNvGrpSpPr/>
+        <p:nvPr/>
+      </p:nvGrpSpPr>
+      <p:grpSpPr>
+        <a:xfrm>
+          <a:off x="0" y="0"/>
+          <a:ext cx="0" cy="0"/>
+          <a:chOff x="0" y="0"/>
+          <a:chExt cx="0" cy="0"/>
+        </a:xfrm>
+      </p:grpSpPr>
+      <p:sp>
+        <p:nvSpPr>
+          <p:cNvPr id="2" name="Title 1">
+            <a:extLst>
+              <a:ext uri="{FF2B5EF4-FFF2-40B4-BE49-F238E27FC236}">
+                <a16:creationId xmlns:a16="http://schemas.microsoft.com/office/drawing/2014/main" id="{DD26F930-8506-FBA5-ADBE-80DB743ACBD6}"/>
+              </a:ext>
+            </a:extLst>
+          </p:cNvPr>
+          <p:cNvSpPr>
+            <a:spLocks noGrp="1"/>
+          </p:cNvSpPr>
+          <p:nvPr>
+            <p:ph type="title"/>
+          </p:nvPr>
+        </p:nvSpPr>
+        <p:spPr>
+          <a:xfrm>
+            <a:off x="4722812" y="1447800"/>
+            <a:ext cx="6798628" cy="1143000"/>
+          </a:xfrm>
+        </p:spPr>
+        <p:txBody>
+          <a:bodyPr>
+            <a:normAutofit/>
+          </a:bodyPr>
+          <a:lstStyle/>
+          <a:p>
+            <a:r>
+              <a:rPr lang="en-US" sz="4000" dirty="0"/>
+              <a:t>4. MEDIA OVERUSAGE</a:t>
+            </a:r>
+          </a:p>
+        </p:txBody>
+      </p:sp>
+      <p:pic>
+        <p:nvPicPr>
+          <p:cNvPr id="6" name="Picture Placeholder 5">
+            <a:extLst>
+              <a:ext uri="{FF2B5EF4-FFF2-40B4-BE49-F238E27FC236}">
+                <a16:creationId xmlns:a16="http://schemas.microsoft.com/office/drawing/2014/main" id="{16451CFA-3F8F-E5AD-C87E-C0C411CD3EE4}"/>
+              </a:ext>
+            </a:extLst>
+          </p:cNvPr>
+          <p:cNvPicPr>
+            <a:picLocks noGrp="1" noChangeAspect="1"/>
+          </p:cNvPicPr>
+          <p:nvPr>
+            <p:ph type="pic" idx="1"/>
+          </p:nvPr>
+        </p:nvPicPr>
+        <p:blipFill rotWithShape="1">
+          <a:blip r:embed="rId2"/>
+          <a:srcRect t="1628" b="-508"/>
+          <a:stretch/>
+        </p:blipFill>
+        <p:spPr>
+          <a:xfrm>
+            <a:off x="989012" y="660728"/>
+            <a:ext cx="3280974" cy="5191432"/>
+          </a:xfrm>
+        </p:spPr>
+      </p:pic>
+      <p:sp>
+        <p:nvSpPr>
+          <p:cNvPr id="4" name="Text Placeholder 3">
+            <a:extLst>
+              <a:ext uri="{FF2B5EF4-FFF2-40B4-BE49-F238E27FC236}">
+                <a16:creationId xmlns:a16="http://schemas.microsoft.com/office/drawing/2014/main" id="{B10CF74F-B63E-CB0A-88BA-92B55D152FA1}"/>
+              </a:ext>
+            </a:extLst>
+          </p:cNvPr>
+          <p:cNvSpPr>
+            <a:spLocks noGrp="1"/>
+          </p:cNvSpPr>
+          <p:nvPr>
+            <p:ph type="body" sz="half" idx="2"/>
+          </p:nvPr>
+        </p:nvSpPr>
+        <p:spPr>
+          <a:xfrm>
+            <a:off x="4722811" y="2777066"/>
+            <a:ext cx="6244089" cy="2048933"/>
+          </a:xfrm>
+        </p:spPr>
+        <p:txBody>
+          <a:bodyPr/>
+          <a:lstStyle/>
+          <a:p>
+            <a:pPr marL="285750" indent="-285750">
+              <a:buFontTx/>
+              <a:buChar char="-"/>
+            </a:pPr>
+            <a:r>
+              <a:rPr lang="en-US" dirty="0"/>
+              <a:t>Another type of addictive and destructive behavior</a:t>
+            </a:r>
           </a:p>
           <a:p>
             <a:pPr marL="285750" indent="-285750">
@@ -5796,7 +5969,7 @@
 </p:sld>
 </file>
 
-<file path=ppt/slides/slide5.xml><?xml version="1.0" encoding="utf-8"?>
+<file path=ppt/slides/slide6.xml><?xml version="1.0" encoding="utf-8"?>
 <p:sld xmlns:a="http://schemas.openxmlformats.org/drawingml/2006/main" xmlns:r="http://schemas.openxmlformats.org/officeDocument/2006/relationships" xmlns:p="http://schemas.openxmlformats.org/presentationml/2006/main">
   <p:cSld>
     <p:spTree>
